--- a/Day 52/Day 52 - Context API vs Redux.pptx
+++ b/Day 52/Day 52 - Context API vs Redux.pptx
@@ -199,7 +199,7 @@
           <a:p>
             <a:fld id="{0C596001-DCD7-B941-B7B7-335C0C37BE8D}" type="datetimeFigureOut">
               <a:rPr lang="en-US" smtClean="0"/>
-              <a:t>2/9/25</a:t>
+              <a:t>2/11/25</a:t>
             </a:fld>
             <a:endParaRPr lang="en-US"/>
           </a:p>
@@ -691,7 +691,7 @@
           <a:p>
             <a:fld id="{D29F4D1E-2136-1242-9FBF-7C2FA9BCF4E2}" type="datetimeFigureOut">
               <a:rPr lang="en-US" smtClean="0"/>
-              <a:t>2/9/25</a:t>
+              <a:t>2/11/25</a:t>
             </a:fld>
             <a:endParaRPr lang="en-US"/>
           </a:p>
@@ -929,7 +929,7 @@
           <a:p>
             <a:fld id="{D29F4D1E-2136-1242-9FBF-7C2FA9BCF4E2}" type="datetimeFigureOut">
               <a:rPr lang="en-US" smtClean="0"/>
-              <a:t>2/9/25</a:t>
+              <a:t>2/11/25</a:t>
             </a:fld>
             <a:endParaRPr lang="en-US"/>
           </a:p>
@@ -1768,7 +1768,7 @@
           <a:p>
             <a:fld id="{D29F4D1E-2136-1242-9FBF-7C2FA9BCF4E2}" type="datetimeFigureOut">
               <a:rPr lang="en-US" smtClean="0"/>
-              <a:t>2/9/25</a:t>
+              <a:t>2/11/25</a:t>
             </a:fld>
             <a:endParaRPr lang="en-US"/>
           </a:p>
@@ -2219,7 +2219,7 @@
           <a:p>
             <a:fld id="{D29F4D1E-2136-1242-9FBF-7C2FA9BCF4E2}" type="datetimeFigureOut">
               <a:rPr lang="en-US" smtClean="0"/>
-              <a:t>2/9/25</a:t>
+              <a:t>2/11/25</a:t>
             </a:fld>
             <a:endParaRPr lang="en-US"/>
           </a:p>
@@ -2392,7 +2392,7 @@
           <a:p>
             <a:fld id="{D29F4D1E-2136-1242-9FBF-7C2FA9BCF4E2}" type="datetimeFigureOut">
               <a:rPr lang="en-US" smtClean="0"/>
-              <a:t>2/9/25</a:t>
+              <a:t>2/11/25</a:t>
             </a:fld>
             <a:endParaRPr lang="en-US"/>
           </a:p>
@@ -2529,7 +2529,7 @@
           <a:p>
             <a:fld id="{D29F4D1E-2136-1242-9FBF-7C2FA9BCF4E2}" type="datetimeFigureOut">
               <a:rPr lang="en-US" smtClean="0"/>
-              <a:t>2/9/25</a:t>
+              <a:t>2/11/25</a:t>
             </a:fld>
             <a:endParaRPr lang="en-US"/>
           </a:p>
@@ -2873,7 +2873,7 @@
           <a:p>
             <a:fld id="{D29F4D1E-2136-1242-9FBF-7C2FA9BCF4E2}" type="datetimeFigureOut">
               <a:rPr lang="en-US" smtClean="0"/>
-              <a:t>2/9/25</a:t>
+              <a:t>2/11/25</a:t>
             </a:fld>
             <a:endParaRPr lang="en-US"/>
           </a:p>
@@ -3194,7 +3194,7 @@
           <a:p>
             <a:fld id="{D29F4D1E-2136-1242-9FBF-7C2FA9BCF4E2}" type="datetimeFigureOut">
               <a:rPr lang="en-US" smtClean="0"/>
-              <a:t>2/9/25</a:t>
+              <a:t>2/11/25</a:t>
             </a:fld>
             <a:endParaRPr lang="en-US"/>
           </a:p>
@@ -4091,7 +4091,7 @@
                 <a:ea typeface="Menlo" panose="020B0609030804020204" pitchFamily="49" charset="0"/>
                 <a:cs typeface="Menlo" panose="020B0609030804020204" pitchFamily="49" charset="0"/>
               </a:rPr>
-              <a:t>Excellent </a:t>
+              <a:t>Excellent Redux </a:t>
             </a:r>
             <a:r>
               <a:rPr lang="en-US" dirty="0" err="1">
